--- a/lectures/week_1/Intro.pptx
+++ b/lectures/week_1/Intro.pptx
@@ -27,7 +27,7 @@
     <p:sldId id="280" r:id="rId21"/>
     <p:sldId id="267" r:id="rId22"/>
     <p:sldId id="270" r:id="rId23"/>
-    <p:sldId id="281" r:id="rId24"/>
+    <p:sldId id="285" r:id="rId24"/>
   </p:sldIdLst>
   <p:sldSz cx="9144000" cy="6858000" type="screen4x3"/>
   <p:notesSz cx="6858000" cy="9144000"/>
@@ -310,7 +310,7 @@
           <a:p>
             <a:fld id="{FF676347-DF0C-4DEC-88B5-DE4EEAB5D227}" type="datetimeFigureOut">
               <a:rPr lang="en-US" smtClean="0"/>
-              <a:t>1/25/2016</a:t>
+              <a:t>1/25/2017</a:t>
             </a:fld>
             <a:endParaRPr lang="en-US"/>
           </a:p>
@@ -480,7 +480,7 @@
           <a:p>
             <a:fld id="{FF676347-DF0C-4DEC-88B5-DE4EEAB5D227}" type="datetimeFigureOut">
               <a:rPr lang="en-US" smtClean="0"/>
-              <a:t>1/25/2016</a:t>
+              <a:t>1/25/2017</a:t>
             </a:fld>
             <a:endParaRPr lang="en-US"/>
           </a:p>
@@ -660,7 +660,7 @@
           <a:p>
             <a:fld id="{FF676347-DF0C-4DEC-88B5-DE4EEAB5D227}" type="datetimeFigureOut">
               <a:rPr lang="en-US" smtClean="0"/>
-              <a:t>1/25/2016</a:t>
+              <a:t>1/25/2017</a:t>
             </a:fld>
             <a:endParaRPr lang="en-US"/>
           </a:p>
@@ -830,7 +830,7 @@
           <a:p>
             <a:fld id="{FF676347-DF0C-4DEC-88B5-DE4EEAB5D227}" type="datetimeFigureOut">
               <a:rPr lang="en-US" smtClean="0"/>
-              <a:t>1/25/2016</a:t>
+              <a:t>1/25/2017</a:t>
             </a:fld>
             <a:endParaRPr lang="en-US"/>
           </a:p>
@@ -1076,7 +1076,7 @@
           <a:p>
             <a:fld id="{FF676347-DF0C-4DEC-88B5-DE4EEAB5D227}" type="datetimeFigureOut">
               <a:rPr lang="en-US" smtClean="0"/>
-              <a:t>1/25/2016</a:t>
+              <a:t>1/25/2017</a:t>
             </a:fld>
             <a:endParaRPr lang="en-US"/>
           </a:p>
@@ -1364,7 +1364,7 @@
           <a:p>
             <a:fld id="{FF676347-DF0C-4DEC-88B5-DE4EEAB5D227}" type="datetimeFigureOut">
               <a:rPr lang="en-US" smtClean="0"/>
-              <a:t>1/25/2016</a:t>
+              <a:t>1/25/2017</a:t>
             </a:fld>
             <a:endParaRPr lang="en-US"/>
           </a:p>
@@ -1786,7 +1786,7 @@
           <a:p>
             <a:fld id="{FF676347-DF0C-4DEC-88B5-DE4EEAB5D227}" type="datetimeFigureOut">
               <a:rPr lang="en-US" smtClean="0"/>
-              <a:t>1/25/2016</a:t>
+              <a:t>1/25/2017</a:t>
             </a:fld>
             <a:endParaRPr lang="en-US"/>
           </a:p>
@@ -1904,7 +1904,7 @@
           <a:p>
             <a:fld id="{FF676347-DF0C-4DEC-88B5-DE4EEAB5D227}" type="datetimeFigureOut">
               <a:rPr lang="en-US" smtClean="0"/>
-              <a:t>1/25/2016</a:t>
+              <a:t>1/25/2017</a:t>
             </a:fld>
             <a:endParaRPr lang="en-US"/>
           </a:p>
@@ -1999,7 +1999,7 @@
           <a:p>
             <a:fld id="{FF676347-DF0C-4DEC-88B5-DE4EEAB5D227}" type="datetimeFigureOut">
               <a:rPr lang="en-US" smtClean="0"/>
-              <a:t>1/25/2016</a:t>
+              <a:t>1/25/2017</a:t>
             </a:fld>
             <a:endParaRPr lang="en-US"/>
           </a:p>
@@ -2276,7 +2276,7 @@
           <a:p>
             <a:fld id="{FF676347-DF0C-4DEC-88B5-DE4EEAB5D227}" type="datetimeFigureOut">
               <a:rPr lang="en-US" smtClean="0"/>
-              <a:t>1/25/2016</a:t>
+              <a:t>1/25/2017</a:t>
             </a:fld>
             <a:endParaRPr lang="en-US"/>
           </a:p>
@@ -2529,7 +2529,7 @@
           <a:p>
             <a:fld id="{FF676347-DF0C-4DEC-88B5-DE4EEAB5D227}" type="datetimeFigureOut">
               <a:rPr lang="en-US" smtClean="0"/>
-              <a:t>1/25/2016</a:t>
+              <a:t>1/25/2017</a:t>
             </a:fld>
             <a:endParaRPr lang="en-US"/>
           </a:p>
@@ -2742,7 +2742,7 @@
           <a:p>
             <a:fld id="{FF676347-DF0C-4DEC-88B5-DE4EEAB5D227}" type="datetimeFigureOut">
               <a:rPr lang="en-US" smtClean="0"/>
-              <a:t>1/25/2016</a:t>
+              <a:t>1/25/2017</a:t>
             </a:fld>
             <a:endParaRPr lang="en-US"/>
           </a:p>
@@ -3148,9 +3148,10 @@
               <a:rPr lang="en-US" dirty="0" smtClean="0"/>
             </a:br>
             <a:r>
-              <a:rPr lang="en-US" sz="2000" dirty="0"/>
-              <a:t>CMSC498F, CMSC828K</a:t>
-            </a:r>
+              <a:rPr lang="en-US" sz="2000" dirty="0" smtClean="0"/>
+              <a:t>CMSC498F</a:t>
+            </a:r>
+            <a:endParaRPr lang="en-US" sz="2000" dirty="0"/>
           </a:p>
         </p:txBody>
       </p:sp>
@@ -3164,10 +3165,15 @@
             <p:ph type="subTitle" idx="1"/>
           </p:nvPr>
         </p:nvSpPr>
-        <p:spPr/>
+        <p:spPr>
+          <a:xfrm>
+            <a:off x="1295400" y="3581400"/>
+            <a:ext cx="6477000" cy="2209800"/>
+          </a:xfrm>
+        </p:spPr>
         <p:txBody>
           <a:bodyPr>
-            <a:normAutofit fontScale="55000" lnSpcReduction="20000"/>
+            <a:normAutofit fontScale="62500" lnSpcReduction="20000"/>
           </a:bodyPr>
           <a:lstStyle/>
           <a:p>
@@ -3273,7 +3279,7 @@
                   <a:schemeClr val="tx1"/>
                 </a:solidFill>
               </a:rPr>
-              <a:t> : 11am-12pm</a:t>
+              <a:t> : 11:30am-12:30pm</a:t>
             </a:r>
           </a:p>
           <a:p>
@@ -3300,7 +3306,15 @@
                   <a:schemeClr val="tx1"/>
                 </a:solidFill>
               </a:rPr>
-              <a:t>TA: </a:t>
+              <a:t>TA</a:t>
+            </a:r>
+            <a:r>
+              <a:rPr lang="en-US" dirty="0" smtClean="0">
+                <a:solidFill>
+                  <a:schemeClr val="tx1"/>
+                </a:solidFill>
+              </a:rPr>
+              <a:t>: Anton </a:t>
             </a:r>
             <a:r>
               <a:rPr lang="en-US" dirty="0" err="1" smtClean="0">
@@ -3308,23 +3322,7 @@
                   <a:schemeClr val="tx1"/>
                 </a:solidFill>
               </a:rPr>
-              <a:t>Aleksandrs</a:t>
-            </a:r>
-            <a:r>
-              <a:rPr lang="en-US" dirty="0" smtClean="0">
-                <a:solidFill>
-                  <a:schemeClr val="tx1"/>
-                </a:solidFill>
-              </a:rPr>
-              <a:t> </a:t>
-            </a:r>
-            <a:r>
-              <a:rPr lang="en-US" dirty="0" err="1" smtClean="0">
-                <a:solidFill>
-                  <a:schemeClr val="tx1"/>
-                </a:solidFill>
-              </a:rPr>
-              <a:t>Ecins</a:t>
+              <a:t>Mitrokhin</a:t>
             </a:r>
             <a:endParaRPr lang="en-US" dirty="0" smtClean="0">
               <a:solidFill>
@@ -3391,12 +3389,12 @@
               <a:t>Office hours: </a:t>
             </a:r>
             <a:r>
-              <a:rPr lang="en-US" dirty="0" err="1">
+              <a:rPr lang="en-US" dirty="0" smtClean="0">
                 <a:solidFill>
                   <a:schemeClr val="tx1"/>
                 </a:solidFill>
               </a:rPr>
-              <a:t>Tu</a:t>
+              <a:t>Mon </a:t>
             </a:r>
             <a:r>
               <a:rPr lang="en-US" dirty="0">
@@ -3404,24 +3402,43 @@
                   <a:schemeClr val="tx1"/>
                 </a:solidFill>
               </a:rPr>
-              <a:t>/</a:t>
-            </a:r>
-            <a:r>
-              <a:rPr lang="en-US" dirty="0" err="1">
+              <a:t>: </a:t>
+            </a:r>
+            <a:r>
+              <a:rPr lang="en-US" dirty="0" smtClean="0">
                 <a:solidFill>
                   <a:schemeClr val="tx1"/>
                 </a:solidFill>
               </a:rPr>
-              <a:t>Th</a:t>
-            </a:r>
-            <a:r>
-              <a:rPr lang="en-US" dirty="0">
+              <a:t>11am-12pm</a:t>
+            </a:r>
+          </a:p>
+          <a:p>
+            <a:pPr>
+              <a:spcBef>
+                <a:spcPts val="0"/>
+              </a:spcBef>
+            </a:pPr>
+            <a:r>
+              <a:rPr lang="en-US" dirty="0" smtClean="0">
                 <a:solidFill>
                   <a:schemeClr val="tx1"/>
                 </a:solidFill>
               </a:rPr>
-              <a:t> : 11am-12pm</a:t>
-            </a:r>
+              <a:t>                       Wed : 11am-1pm</a:t>
+            </a:r>
+          </a:p>
+          <a:p>
+            <a:pPr>
+              <a:spcBef>
+                <a:spcPts val="0"/>
+              </a:spcBef>
+            </a:pPr>
+            <a:endParaRPr lang="en-US" dirty="0">
+              <a:solidFill>
+                <a:schemeClr val="tx1"/>
+              </a:solidFill>
+            </a:endParaRPr>
           </a:p>
           <a:p>
             <a:pPr>
@@ -3514,7 +3531,7 @@
         <p:spPr/>
         <p:txBody>
           <a:bodyPr>
-            <a:normAutofit fontScale="92500"/>
+            <a:normAutofit fontScale="85000" lnSpcReduction="10000"/>
           </a:bodyPr>
           <a:lstStyle/>
           <a:p>
@@ -3524,8 +3541,17 @@
             </a:pPr>
             <a:r>
               <a:rPr lang="en-US" dirty="0"/>
-              <a:t>Kinematics and Control: control of differential drive robot in simulation and with the platform </a:t>
-            </a:r>
+              <a:t>Kinematics </a:t>
+            </a:r>
+            <a:r>
+              <a:rPr lang="en-US" dirty="0" smtClean="0"/>
+              <a:t>: forward and inverse differential </a:t>
+            </a:r>
+            <a:r>
+              <a:rPr lang="en-US" dirty="0"/>
+              <a:t>drive robot in simulation and with the platform </a:t>
+            </a:r>
+            <a:endParaRPr lang="en-US" dirty="0" smtClean="0"/>
           </a:p>
           <a:p>
             <a:pPr marL="514350" lvl="0" indent="-514350">
@@ -3533,12 +3559,8 @@
               <a:buAutoNum type="arabicPeriod"/>
             </a:pPr>
             <a:r>
-              <a:rPr lang="en-US" dirty="0"/>
-              <a:t>Path planning in a map: potential field based </a:t>
-            </a:r>
-            <a:r>
               <a:rPr lang="en-US" dirty="0" smtClean="0"/>
-              <a:t>control</a:t>
+              <a:t>Control of the navigating robot</a:t>
             </a:r>
             <a:endParaRPr lang="en-US" dirty="0"/>
           </a:p>
@@ -3549,7 +3571,11 @@
             </a:pPr>
             <a:r>
               <a:rPr lang="en-US" dirty="0"/>
-              <a:t>Localization (AMCL localization)</a:t>
+              <a:t>Path planning in a map: potential field based </a:t>
+            </a:r>
+            <a:r>
+              <a:rPr lang="en-US" dirty="0" smtClean="0"/>
+              <a:t>control</a:t>
             </a:r>
           </a:p>
           <a:p>
@@ -3558,8 +3584,37 @@
               <a:buAutoNum type="arabicPeriod"/>
             </a:pPr>
             <a:r>
+              <a:rPr lang="en-US" dirty="0" smtClean="0"/>
+              <a:t>mapping</a:t>
+            </a:r>
+            <a:endParaRPr lang="en-US" dirty="0"/>
+          </a:p>
+          <a:p>
+            <a:pPr marL="514350" lvl="0" indent="-514350">
+              <a:buFont typeface="+mj-lt"/>
+              <a:buAutoNum type="arabicPeriod"/>
+            </a:pPr>
+            <a:r>
               <a:rPr lang="en-US" dirty="0"/>
-              <a:t>Images: attention + segmentation: find objects</a:t>
+              <a:t>Localization (AMCL localization)</a:t>
+            </a:r>
+          </a:p>
+          <a:p>
+            <a:pPr marL="514350" lvl="0" indent="-514350">
+              <a:buFont typeface="+mj-lt"/>
+              <a:buAutoNum type="arabicPeriod"/>
+            </a:pPr>
+            <a:r>
+              <a:rPr lang="en-US" dirty="0"/>
+              <a:t>Images: </a:t>
+            </a:r>
+            <a:r>
+              <a:rPr lang="en-US" dirty="0" smtClean="0"/>
+              <a:t>navigation + visual recognition: </a:t>
+            </a:r>
+            <a:r>
+              <a:rPr lang="en-US" dirty="0"/>
+              <a:t>find objects</a:t>
             </a:r>
           </a:p>
           <a:p>
@@ -3813,6 +3868,13 @@
   <p:clrMapOvr>
     <a:masterClrMapping/>
   </p:clrMapOvr>
+  <p:timing>
+    <p:tnLst>
+      <p:par>
+        <p:cTn id="1" dur="indefinite" restart="never" nodeType="tmRoot"/>
+      </p:par>
+    </p:tnLst>
+  </p:timing>
 </p:sld>
 </file>
 
@@ -3959,6 +4021,13 @@
   <p:clrMapOvr>
     <a:masterClrMapping/>
   </p:clrMapOvr>
+  <p:timing>
+    <p:tnLst>
+      <p:par>
+        <p:cTn id="1" dur="indefinite" restart="never" nodeType="tmRoot"/>
+      </p:par>
+    </p:tnLst>
+  </p:timing>
 </p:sld>
 </file>
 
@@ -4149,7 +4218,15 @@
             </a:pPr>
             <a:r>
               <a:rPr lang="en-US" sz="1800" dirty="0" smtClean="0"/>
-              <a:t>Newest generation of Automatic Guided Vehicle of VOLVO used to transport motor blocks from on assembly station to an other. It is guided by an electrical wire installed in the floor but it is also able to leave the wire to avoid obstacles. There are over </a:t>
+              <a:t>Newest generation of Automatic Guided Vehicle of VOLVO used to transport motor blocks from </a:t>
+            </a:r>
+            <a:r>
+              <a:rPr lang="en-US" sz="1800" dirty="0" smtClean="0"/>
+              <a:t>one </a:t>
+            </a:r>
+            <a:r>
+              <a:rPr lang="en-US" sz="1800" dirty="0" smtClean="0"/>
+              <a:t>assembly station to an other. It is guided by an electrical wire installed in the floor but it is also able to leave the wire to avoid obstacles. There are over </a:t>
             </a:r>
             <a:r>
               <a:rPr lang="en-US" sz="1800" dirty="0" smtClean="0">
@@ -4230,11 +4307,11 @@
   <p:clrMapOvr>
     <a:masterClrMapping/>
   </p:clrMapOvr>
-  <mc:AlternateContent xmlns:mc="http://schemas.openxmlformats.org/markup-compatibility/2006">
-    <mc:Choice xmlns:p14="http://schemas.microsoft.com/office/powerpoint/2010/main" Requires="p14">
+  <mc:AlternateContent xmlns:mc="http://schemas.openxmlformats.org/markup-compatibility/2006" xmlns:p14="http://schemas.microsoft.com/office/powerpoint/2010/main">
+    <mc:Choice Requires="p14">
       <p:transition spd="slow" p14:dur="2000"/>
     </mc:Choice>
-    <mc:Fallback>
+    <mc:Fallback xmlns="">
       <p:transition spd="slow"/>
     </mc:Fallback>
   </mc:AlternateContent>
@@ -4451,11 +4528,11 @@
   <p:clrMapOvr>
     <a:masterClrMapping/>
   </p:clrMapOvr>
-  <mc:AlternateContent xmlns:mc="http://schemas.openxmlformats.org/markup-compatibility/2006">
-    <mc:Choice xmlns:p14="http://schemas.microsoft.com/office/powerpoint/2010/main" Requires="p14">
+  <mc:AlternateContent xmlns:mc="http://schemas.openxmlformats.org/markup-compatibility/2006" xmlns:p14="http://schemas.microsoft.com/office/powerpoint/2010/main">
+    <mc:Choice Requires="p14">
       <p:transition spd="slow" p14:dur="2000"/>
     </mc:Choice>
-    <mc:Fallback>
+    <mc:Fallback xmlns="">
       <p:transition spd="slow"/>
     </mc:Fallback>
   </mc:AlternateContent>
@@ -4654,11 +4731,11 @@
   <p:clrMapOvr>
     <a:masterClrMapping/>
   </p:clrMapOvr>
-  <mc:AlternateContent xmlns:mc="http://schemas.openxmlformats.org/markup-compatibility/2006">
-    <mc:Choice xmlns:p14="http://schemas.microsoft.com/office/powerpoint/2010/main" Requires="p14">
+  <mc:AlternateContent xmlns:mc="http://schemas.openxmlformats.org/markup-compatibility/2006" xmlns:p14="http://schemas.microsoft.com/office/powerpoint/2010/main">
+    <mc:Choice Requires="p14">
       <p:transition spd="slow" p14:dur="2000"/>
     </mc:Choice>
-    <mc:Fallback>
+    <mc:Fallback xmlns="">
       <p:transition spd="slow"/>
     </mc:Fallback>
   </mc:AlternateContent>
@@ -4738,11 +4815,27 @@
               </a:lnSpc>
             </a:pPr>
             <a:r>
-              <a:rPr lang="en-US" sz="1600" smtClean="0"/>
-              <a:t>Picture of Pioneer, the teleoperated robot that is supposed to explore the Sarcophagus at Chernobyl</a:t>
-            </a:r>
-            <a:r>
-              <a:rPr lang="en-US" smtClean="0"/>
+              <a:rPr lang="en-US" sz="1600" dirty="0" smtClean="0"/>
+              <a:t>Picture of Pioneer, the </a:t>
+            </a:r>
+            <a:r>
+              <a:rPr lang="en-US" sz="1600" dirty="0" err="1" smtClean="0"/>
+              <a:t>teleoperated</a:t>
+            </a:r>
+            <a:r>
+              <a:rPr lang="en-US" sz="1600" dirty="0" smtClean="0"/>
+              <a:t> robot that </a:t>
+            </a:r>
+            <a:r>
+              <a:rPr lang="en-US" sz="1600" dirty="0" smtClean="0"/>
+              <a:t>was </a:t>
+            </a:r>
+            <a:r>
+              <a:rPr lang="en-US" sz="1600" dirty="0" smtClean="0"/>
+              <a:t>supposed to explore the Sarcophagus at Chernobyl</a:t>
+            </a:r>
+            <a:r>
+              <a:rPr lang="en-US" dirty="0" smtClean="0"/>
               <a:t> </a:t>
             </a:r>
           </a:p>
@@ -4812,11 +4905,11 @@
   <p:clrMapOvr>
     <a:masterClrMapping/>
   </p:clrMapOvr>
-  <mc:AlternateContent xmlns:mc="http://schemas.openxmlformats.org/markup-compatibility/2006">
-    <mc:Choice xmlns:p14="http://schemas.microsoft.com/office/powerpoint/2010/main" Requires="p14">
+  <mc:AlternateContent xmlns:mc="http://schemas.openxmlformats.org/markup-compatibility/2006" xmlns:p14="http://schemas.microsoft.com/office/powerpoint/2010/main">
+    <mc:Choice Requires="p14">
       <p:transition spd="slow" p14:dur="2000"/>
     </mc:Choice>
-    <mc:Fallback>
+    <mc:Fallback xmlns="">
       <p:transition spd="slow"/>
     </mc:Fallback>
   </mc:AlternateContent>
@@ -4899,20 +4992,32 @@
               </a:spcAft>
             </a:pPr>
             <a:r>
-              <a:rPr lang="en-US" sz="1600" smtClean="0"/>
-              <a:t>Pulstech developed the first ‘industrial like’ walking robot. It is designed moving wood out of the forest. The leg coordination is automated, but navigation is still done by the human operator on the robot.</a:t>
+              <a:rPr lang="en-US" sz="1600" dirty="0" err="1" smtClean="0"/>
+              <a:t>Pulstech</a:t>
+            </a:r>
+            <a:r>
+              <a:rPr lang="en-US" sz="1600" dirty="0" smtClean="0"/>
+              <a:t> developed the first ‘industrial like’ walking robot. It is designed </a:t>
+            </a:r>
+            <a:r>
+              <a:rPr lang="en-US" sz="1600" dirty="0" smtClean="0"/>
+              <a:t>to move wood </a:t>
+            </a:r>
+            <a:r>
+              <a:rPr lang="en-US" sz="1600" dirty="0" smtClean="0"/>
+              <a:t>out of the forest. The leg coordination is automated, but navigation is still done by the human operator on the robot.</a:t>
             </a:r>
             <a:br>
-              <a:rPr lang="en-US" sz="1600" smtClean="0"/>
+              <a:rPr lang="en-US" sz="1600" dirty="0" smtClean="0"/>
             </a:br>
             <a:r>
-              <a:rPr lang="en-US" sz="1600" smtClean="0"/>
+              <a:rPr lang="en-US" sz="1600" dirty="0" smtClean="0"/>
               <a:t>http://www.plustech.fi/</a:t>
             </a:r>
           </a:p>
           <a:p>
             <a:pPr marL="190500" indent="-190500" defTabSz="914400"/>
-            <a:endParaRPr lang="en-US" smtClean="0"/>
+            <a:endParaRPr lang="en-US" dirty="0" smtClean="0"/>
           </a:p>
         </p:txBody>
       </p:sp>
@@ -5038,11 +5143,11 @@
   <p:clrMapOvr>
     <a:masterClrMapping/>
   </p:clrMapOvr>
-  <mc:AlternateContent xmlns:mc="http://schemas.openxmlformats.org/markup-compatibility/2006">
-    <mc:Choice xmlns:p14="http://schemas.microsoft.com/office/powerpoint/2010/main" Requires="p14">
+  <mc:AlternateContent xmlns:mc="http://schemas.openxmlformats.org/markup-compatibility/2006" xmlns:p14="http://schemas.microsoft.com/office/powerpoint/2010/main">
+    <mc:Choice Requires="p14">
       <p:transition spd="slow" p14:dur="2000"/>
     </mc:Choice>
-    <mc:Fallback>
+    <mc:Fallback xmlns="">
       <p:transition spd="slow"/>
     </mc:Fallback>
   </mc:AlternateContent>
@@ -5473,11 +5578,11 @@
   <p:clrMapOvr>
     <a:masterClrMapping/>
   </p:clrMapOvr>
-  <mc:AlternateContent xmlns:mc="http://schemas.openxmlformats.org/markup-compatibility/2006">
-    <mc:Choice xmlns:p14="http://schemas.microsoft.com/office/powerpoint/2010/main" Requires="p14">
+  <mc:AlternateContent xmlns:mc="http://schemas.openxmlformats.org/markup-compatibility/2006" xmlns:p14="http://schemas.microsoft.com/office/powerpoint/2010/main">
+    <mc:Choice Requires="p14">
       <p:transition spd="slow" p14:dur="2000"/>
     </mc:Choice>
-    <mc:Fallback>
+    <mc:Fallback xmlns="">
       <p:transition spd="slow"/>
     </mc:Fallback>
   </mc:AlternateContent>
@@ -5844,6 +5949,13 @@
   <p:clrMapOvr>
     <a:masterClrMapping/>
   </p:clrMapOvr>
+  <p:timing>
+    <p:tnLst>
+      <p:par>
+        <p:cTn id="1" dur="indefinite" restart="never" nodeType="tmRoot"/>
+      </p:par>
+    </p:tnLst>
+  </p:timing>
 </p:sld>
 </file>
 
@@ -5874,9 +5986,16 @@
             <p:ph type="title"/>
           </p:nvPr>
         </p:nvSpPr>
-        <p:spPr/>
-        <p:txBody>
-          <a:bodyPr/>
+        <p:spPr>
+          <a:xfrm>
+            <a:off x="533400" y="228600"/>
+            <a:ext cx="8229600" cy="1143000"/>
+          </a:xfrm>
+        </p:spPr>
+        <p:txBody>
+          <a:bodyPr>
+            <a:normAutofit/>
+          </a:bodyPr>
           <a:lstStyle/>
           <a:p>
             <a:pPr indent="0"/>
@@ -5885,8 +6004,23 @@
               <a:t>The Honda Walking Robot </a:t>
             </a:r>
             <a:r>
+              <a:rPr lang="en-US" dirty="0" smtClean="0"/>
+              <a:t/>
+            </a:r>
+            <a:br>
+              <a:rPr lang="en-US" dirty="0" smtClean="0"/>
+            </a:br>
+            <a:r>
               <a:rPr lang="en-US" sz="1400" i="1" dirty="0" smtClean="0"/>
-              <a:t>http://www.honda.co.jp/tech/other/robot.html</a:t>
+              <a:t>http</a:t>
+            </a:r>
+            <a:r>
+              <a:rPr lang="en-US" sz="1400" i="1" dirty="0"/>
+              <a:t>://asimo.honda.com</a:t>
+            </a:r>
+            <a:r>
+              <a:rPr lang="en-US" sz="1400" i="1" dirty="0" smtClean="0"/>
+              <a:t>/</a:t>
             </a:r>
             <a:endParaRPr lang="en-US" dirty="0" smtClean="0"/>
           </a:p>
@@ -6058,6 +6192,47 @@
           </a:extLst>
         </p:spPr>
       </p:pic>
+      <p:sp>
+        <p:nvSpPr>
+          <p:cNvPr id="2" name="TextBox 1"/>
+          <p:cNvSpPr txBox="1"/>
+          <p:nvPr/>
+        </p:nvSpPr>
+        <p:spPr>
+          <a:xfrm>
+            <a:off x="100567" y="4996933"/>
+            <a:ext cx="3864263" cy="523220"/>
+          </a:xfrm>
+          <a:prstGeom prst="rect">
+            <a:avLst/>
+          </a:prstGeom>
+          <a:noFill/>
+        </p:spPr>
+        <p:txBody>
+          <a:bodyPr wrap="none" rtlCol="0">
+            <a:spAutoFit/>
+          </a:bodyPr>
+          <a:lstStyle/>
+          <a:p>
+            <a:r>
+              <a:rPr lang="en-US" sz="1400" dirty="0">
+                <a:hlinkClick r:id="rId6"/>
+              </a:rPr>
+              <a:t>https://</a:t>
+            </a:r>
+            <a:r>
+              <a:rPr lang="en-US" sz="1400" dirty="0" smtClean="0">
+                <a:hlinkClick r:id="rId6"/>
+              </a:rPr>
+              <a:t>www.youtube.com/watch?v=OlDMlYHl2tU</a:t>
+            </a:r>
+            <a:endParaRPr lang="en-US" sz="1400" dirty="0" smtClean="0"/>
+          </a:p>
+          <a:p>
+            <a:endParaRPr lang="en-US" sz="1400" dirty="0"/>
+          </a:p>
+        </p:txBody>
+      </p:sp>
     </p:spTree>
     <p:extLst>
       <p:ext uri="{BB962C8B-B14F-4D97-AF65-F5344CB8AC3E}">
@@ -6068,11 +6243,11 @@
   <p:clrMapOvr>
     <a:masterClrMapping/>
   </p:clrMapOvr>
-  <mc:AlternateContent xmlns:mc="http://schemas.openxmlformats.org/markup-compatibility/2006">
-    <mc:Choice xmlns:p14="http://schemas.microsoft.com/office/powerpoint/2010/main" Requires="p14">
+  <mc:AlternateContent xmlns:mc="http://schemas.openxmlformats.org/markup-compatibility/2006" xmlns:p14="http://schemas.microsoft.com/office/powerpoint/2010/main">
+    <mc:Choice Requires="p14">
       <p:transition spd="slow" p14:dur="2000"/>
     </mc:Choice>
-    <mc:Fallback>
+    <mc:Fallback xmlns="">
       <p:transition spd="slow"/>
     </mc:Fallback>
   </mc:AlternateContent>
@@ -6529,6 +6704,13 @@
   <p:clrMapOvr>
     <a:masterClrMapping/>
   </p:clrMapOvr>
+  <p:timing>
+    <p:tnLst>
+      <p:par>
+        <p:cTn id="1" dur="indefinite" restart="never" nodeType="tmRoot"/>
+      </p:par>
+    </p:tnLst>
+  </p:timing>
 </p:sld>
 </file>
 
@@ -6561,138 +6743,579 @@
         </p:nvSpPr>
         <p:spPr/>
         <p:txBody>
-          <a:bodyPr>
-            <a:normAutofit fontScale="90000"/>
+          <a:bodyPr/>
+          <a:lstStyle/>
+          <a:p>
+            <a:r>
+              <a:rPr lang="en-US" dirty="0" smtClean="0"/>
+              <a:t>Cognitive Robotics: ARC Lab</a:t>
+            </a:r>
+            <a:endParaRPr lang="en-US" dirty="0"/>
+          </a:p>
+        </p:txBody>
+      </p:sp>
+      <p:sp>
+        <p:nvSpPr>
+          <p:cNvPr id="6" name="Rectangle 3"/>
+          <p:cNvSpPr>
+            <a:spLocks noChangeArrowheads="1"/>
+          </p:cNvSpPr>
+          <p:nvPr/>
+        </p:nvSpPr>
+        <p:spPr bwMode="auto">
+          <a:xfrm>
+            <a:off x="152400" y="4079467"/>
+            <a:ext cx="8819787" cy="1492716"/>
+          </a:xfrm>
+          <a:prstGeom prst="rect">
+            <a:avLst/>
+          </a:prstGeom>
+          <a:solidFill>
+            <a:srgbClr val="FFFFFF"/>
+          </a:solidFill>
+          <a:ln>
+            <a:noFill/>
+          </a:ln>
+          <a:effectLst/>
+          <a:extLst>
+            <a:ext uri="{91240B29-F687-4F45-9708-019B960494DF}">
+              <a14:hiddenLine xmlns:a14="http://schemas.microsoft.com/office/drawing/2010/main" w="9525">
+                <a:solidFill>
+                  <a:schemeClr val="tx1"/>
+                </a:solidFill>
+                <a:miter lim="800000"/>
+                <a:headEnd/>
+                <a:tailEnd/>
+              </a14:hiddenLine>
+            </a:ext>
+            <a:ext uri="{AF507438-7753-43E0-B8FC-AC1667EBCBE1}">
+              <a14:hiddenEffects xmlns:a14="http://schemas.microsoft.com/office/drawing/2010/main">
+                <a:effectLst>
+                  <a:outerShdw dist="35921" dir="2700000" algn="ctr" rotWithShape="0">
+                    <a:schemeClr val="bg2"/>
+                  </a:outerShdw>
+                </a:effectLst>
+              </a14:hiddenEffects>
+            </a:ext>
+          </a:extLst>
+        </p:spPr>
+        <p:txBody>
+          <a:bodyPr vert="horz" wrap="none" lIns="91440" tIns="45720" rIns="91440" bIns="45720" numCol="1" anchor="ctr" anchorCtr="0" compatLnSpc="1">
+            <a:prstTxWarp prst="textNoShape">
+              <a:avLst/>
+            </a:prstTxWarp>
+            <a:spAutoFit/>
           </a:bodyPr>
-          <a:lstStyle/>
-          <a:p>
-            <a:r>
-              <a:rPr lang="en-US" dirty="0" smtClean="0"/>
-              <a:t>Cognitive Robotics</a:t>
-            </a:r>
-            <a:br>
-              <a:rPr lang="en-US" dirty="0" smtClean="0"/>
-            </a:br>
-            <a:r>
-              <a:rPr lang="en-US" dirty="0" smtClean="0"/>
-              <a:t>(Results from the ARC lab)</a:t>
-            </a:r>
-            <a:endParaRPr lang="en-US" dirty="0"/>
-          </a:p>
-        </p:txBody>
-      </p:sp>
-      <p:sp>
-        <p:nvSpPr>
-          <p:cNvPr id="3" name="Content Placeholder 2"/>
-          <p:cNvSpPr>
-            <a:spLocks noGrp="1"/>
-          </p:cNvSpPr>
-          <p:nvPr>
-            <p:ph idx="1"/>
-          </p:nvPr>
-        </p:nvSpPr>
-        <p:spPr/>
-        <p:txBody>
-          <a:bodyPr>
-            <a:normAutofit fontScale="85000" lnSpcReduction="20000"/>
-          </a:bodyPr>
-          <a:lstStyle/>
-          <a:p>
-            <a:r>
-              <a:rPr lang="en-US" dirty="0"/>
-              <a:t>UMD’s robot that learns to make a drink by watching people : </a:t>
-            </a:r>
-            <a:br>
-              <a:rPr lang="en-US" dirty="0"/>
-            </a:br>
-            <a:r>
-              <a:rPr lang="en-US" dirty="0">
+          <a:lstStyle>
+            <a:lvl1pPr fontAlgn="base">
+              <a:spcBef>
+                <a:spcPct val="0"/>
+              </a:spcBef>
+              <a:spcAft>
+                <a:spcPct val="0"/>
+              </a:spcAft>
+              <a:defRPr>
+                <a:solidFill>
+                  <a:schemeClr val="tx1"/>
+                </a:solidFill>
+                <a:latin typeface="Arial" pitchFamily="34" charset="0"/>
+                <a:cs typeface="Arial" pitchFamily="34" charset="0"/>
+              </a:defRPr>
+            </a:lvl1pPr>
+            <a:lvl2pPr fontAlgn="base">
+              <a:spcBef>
+                <a:spcPct val="0"/>
+              </a:spcBef>
+              <a:spcAft>
+                <a:spcPct val="0"/>
+              </a:spcAft>
+              <a:defRPr>
+                <a:solidFill>
+                  <a:schemeClr val="tx1"/>
+                </a:solidFill>
+                <a:latin typeface="Arial" pitchFamily="34" charset="0"/>
+                <a:cs typeface="Arial" pitchFamily="34" charset="0"/>
+              </a:defRPr>
+            </a:lvl2pPr>
+            <a:lvl3pPr fontAlgn="base">
+              <a:spcBef>
+                <a:spcPct val="0"/>
+              </a:spcBef>
+              <a:spcAft>
+                <a:spcPct val="0"/>
+              </a:spcAft>
+              <a:defRPr>
+                <a:solidFill>
+                  <a:schemeClr val="tx1"/>
+                </a:solidFill>
+                <a:latin typeface="Arial" pitchFamily="34" charset="0"/>
+                <a:cs typeface="Arial" pitchFamily="34" charset="0"/>
+              </a:defRPr>
+            </a:lvl3pPr>
+            <a:lvl4pPr fontAlgn="base">
+              <a:spcBef>
+                <a:spcPct val="0"/>
+              </a:spcBef>
+              <a:spcAft>
+                <a:spcPct val="0"/>
+              </a:spcAft>
+              <a:defRPr>
+                <a:solidFill>
+                  <a:schemeClr val="tx1"/>
+                </a:solidFill>
+                <a:latin typeface="Arial" pitchFamily="34" charset="0"/>
+                <a:cs typeface="Arial" pitchFamily="34" charset="0"/>
+              </a:defRPr>
+            </a:lvl4pPr>
+            <a:lvl5pPr fontAlgn="base">
+              <a:spcBef>
+                <a:spcPct val="0"/>
+              </a:spcBef>
+              <a:spcAft>
+                <a:spcPct val="0"/>
+              </a:spcAft>
+              <a:defRPr>
+                <a:solidFill>
+                  <a:schemeClr val="tx1"/>
+                </a:solidFill>
+                <a:latin typeface="Arial" pitchFamily="34" charset="0"/>
+                <a:cs typeface="Arial" pitchFamily="34" charset="0"/>
+              </a:defRPr>
+            </a:lvl5pPr>
+            <a:lvl6pPr fontAlgn="base">
+              <a:spcBef>
+                <a:spcPct val="0"/>
+              </a:spcBef>
+              <a:spcAft>
+                <a:spcPct val="0"/>
+              </a:spcAft>
+              <a:defRPr>
+                <a:solidFill>
+                  <a:schemeClr val="tx1"/>
+                </a:solidFill>
+                <a:latin typeface="Arial" pitchFamily="34" charset="0"/>
+                <a:cs typeface="Arial" pitchFamily="34" charset="0"/>
+              </a:defRPr>
+            </a:lvl6pPr>
+            <a:lvl7pPr fontAlgn="base">
+              <a:spcBef>
+                <a:spcPct val="0"/>
+              </a:spcBef>
+              <a:spcAft>
+                <a:spcPct val="0"/>
+              </a:spcAft>
+              <a:defRPr>
+                <a:solidFill>
+                  <a:schemeClr val="tx1"/>
+                </a:solidFill>
+                <a:latin typeface="Arial" pitchFamily="34" charset="0"/>
+                <a:cs typeface="Arial" pitchFamily="34" charset="0"/>
+              </a:defRPr>
+            </a:lvl7pPr>
+            <a:lvl8pPr fontAlgn="base">
+              <a:spcBef>
+                <a:spcPct val="0"/>
+              </a:spcBef>
+              <a:spcAft>
+                <a:spcPct val="0"/>
+              </a:spcAft>
+              <a:defRPr>
+                <a:solidFill>
+                  <a:schemeClr val="tx1"/>
+                </a:solidFill>
+                <a:latin typeface="Arial" pitchFamily="34" charset="0"/>
+                <a:cs typeface="Arial" pitchFamily="34" charset="0"/>
+              </a:defRPr>
+            </a:lvl8pPr>
+            <a:lvl9pPr fontAlgn="base">
+              <a:spcBef>
+                <a:spcPct val="0"/>
+              </a:spcBef>
+              <a:spcAft>
+                <a:spcPct val="0"/>
+              </a:spcAft>
+              <a:defRPr>
+                <a:solidFill>
+                  <a:schemeClr val="tx1"/>
+                </a:solidFill>
+                <a:latin typeface="Arial" pitchFamily="34" charset="0"/>
+                <a:cs typeface="Arial" pitchFamily="34" charset="0"/>
+              </a:defRPr>
+            </a:lvl9pPr>
+          </a:lstStyle>
+          <a:p>
+            <a:pPr marL="0" marR="0" lvl="0" indent="0" algn="l" defTabSz="914400" rtl="0" eaLnBrk="1" fontAlgn="base" latinLnBrk="0" hangingPunct="1">
+              <a:lnSpc>
+                <a:spcPct val="100000"/>
+              </a:lnSpc>
+              <a:spcBef>
+                <a:spcPct val="0"/>
+              </a:spcBef>
+              <a:spcAft>
+                <a:spcPct val="0"/>
+              </a:spcAft>
+              <a:buClrTx/>
+              <a:buSzTx/>
+              <a:buFontTx/>
+              <a:buNone/>
+              <a:tabLst/>
+            </a:pPr>
+            <a:r>
+              <a:rPr kumimoji="0" lang="en-US" altLang="en-US" sz="2000" b="0" i="0" u="none" strike="noStrike" cap="none" normalizeH="0" baseline="0" dirty="0" smtClean="0">
+                <a:ln>
+                  <a:noFill/>
+                </a:ln>
+                <a:solidFill>
+                  <a:srgbClr val="222222"/>
+                </a:solidFill>
+                <a:effectLst/>
+                <a:latin typeface="Arial" pitchFamily="34" charset="0"/>
+                <a:cs typeface="Arial" pitchFamily="34" charset="0"/>
+              </a:rPr>
+              <a:t>Pointing: </a:t>
+            </a:r>
+            <a:r>
+              <a:rPr kumimoji="0" lang="en-US" altLang="en-US" sz="2000" b="0" i="0" u="none" strike="noStrike" cap="none" normalizeH="0" baseline="0" dirty="0" smtClean="0">
+                <a:ln>
+                  <a:noFill/>
+                </a:ln>
+                <a:solidFill>
+                  <a:srgbClr val="1155CC"/>
+                </a:solidFill>
+                <a:effectLst/>
+                <a:latin typeface="Arial" pitchFamily="34" charset="0"/>
+                <a:cs typeface="Arial" pitchFamily="34" charset="0"/>
                 <a:hlinkClick r:id="rId2"/>
               </a:rPr>
-              <a:t>https://www.youtube.com/watch?v=t-qEV6hTxFw&amp;feature=youtu.be</a:t>
-            </a:r>
-            <a:endParaRPr lang="en-US" dirty="0"/>
-          </a:p>
-          <a:p>
-            <a:pPr marL="0" indent="0">
-              <a:buNone/>
+              <a:t>https://www.dropbox.com/s/qy65zg73pstj8t0/Pointing.mp4?dl=0</a:t>
+            </a:r>
+            <a:r>
+              <a:rPr kumimoji="0" lang="en-US" altLang="en-US" sz="2000" b="0" i="0" u="none" strike="noStrike" cap="none" normalizeH="0" baseline="0" dirty="0" smtClean="0">
+                <a:ln>
+                  <a:noFill/>
+                </a:ln>
+                <a:solidFill>
+                  <a:schemeClr val="tx1"/>
+                </a:solidFill>
+                <a:effectLst/>
+                <a:latin typeface="Arial" pitchFamily="34" charset="0"/>
+                <a:cs typeface="Arial" pitchFamily="34" charset="0"/>
+              </a:rPr>
+              <a:t/>
+            </a:r>
+            <a:br>
+              <a:rPr kumimoji="0" lang="en-US" altLang="en-US" sz="2000" b="0" i="0" u="none" strike="noStrike" cap="none" normalizeH="0" baseline="0" dirty="0" smtClean="0">
+                <a:ln>
+                  <a:noFill/>
+                </a:ln>
+                <a:solidFill>
+                  <a:schemeClr val="tx1"/>
+                </a:solidFill>
+                <a:effectLst/>
+                <a:latin typeface="Arial" pitchFamily="34" charset="0"/>
+                <a:cs typeface="Arial" pitchFamily="34" charset="0"/>
+              </a:rPr>
+            </a:br>
+            <a:endParaRPr kumimoji="0" lang="en-US" altLang="en-US" sz="2000" b="0" i="0" u="none" strike="noStrike" cap="none" normalizeH="0" baseline="0" dirty="0" smtClean="0">
+              <a:ln>
+                <a:noFill/>
+              </a:ln>
+              <a:solidFill>
+                <a:schemeClr val="tx1"/>
+              </a:solidFill>
+              <a:effectLst/>
+              <a:latin typeface="Arial" pitchFamily="34" charset="0"/>
+              <a:cs typeface="Arial" pitchFamily="34" charset="0"/>
+            </a:endParaRPr>
+          </a:p>
+          <a:p>
+            <a:pPr marL="0" marR="0" lvl="0" indent="0" algn="l" defTabSz="914400" rtl="0" eaLnBrk="0" fontAlgn="base" latinLnBrk="0" hangingPunct="0">
+              <a:lnSpc>
+                <a:spcPct val="100000"/>
+              </a:lnSpc>
+              <a:spcBef>
+                <a:spcPct val="0"/>
+              </a:spcBef>
+              <a:spcAft>
+                <a:spcPct val="0"/>
+              </a:spcAft>
+              <a:buClrTx/>
+              <a:buSzTx/>
+              <a:buFontTx/>
+              <a:buNone/>
+              <a:tabLst/>
             </a:pPr>
             <a:r>
-              <a:rPr lang="en-US" dirty="0"/>
-              <a:t> </a:t>
-            </a:r>
-          </a:p>
-          <a:p>
-            <a:r>
-              <a:rPr lang="en-US" dirty="0"/>
-              <a:t>A robot that learns to cook by watching </a:t>
-            </a:r>
-            <a:r>
-              <a:rPr lang="en-US" dirty="0" err="1"/>
-              <a:t>youtube</a:t>
-            </a:r>
-            <a:r>
-              <a:rPr lang="en-US" dirty="0"/>
-              <a:t> videos:</a:t>
-            </a:r>
-          </a:p>
-          <a:p>
-            <a:pPr marL="0" indent="0">
-              <a:buNone/>
-            </a:pPr>
-            <a:r>
-              <a:rPr lang="en-US" dirty="0">
+              <a:rPr kumimoji="0" lang="en-US" altLang="en-US" sz="900" b="0" i="0" u="none" strike="noStrike" cap="none" normalizeH="0" baseline="0" dirty="0" smtClean="0">
+                <a:ln>
+                  <a:noFill/>
+                </a:ln>
+                <a:solidFill>
+                  <a:srgbClr val="222222"/>
+                </a:solidFill>
+                <a:effectLst/>
+                <a:latin typeface="Arial" pitchFamily="34" charset="0"/>
+                <a:cs typeface="Arial" pitchFamily="34" charset="0"/>
+              </a:rPr>
+              <a:t/>
+            </a:r>
+            <a:br>
+              <a:rPr kumimoji="0" lang="en-US" altLang="en-US" sz="900" b="0" i="0" u="none" strike="noStrike" cap="none" normalizeH="0" baseline="0" dirty="0" smtClean="0">
+                <a:ln>
+                  <a:noFill/>
+                </a:ln>
+                <a:solidFill>
+                  <a:srgbClr val="222222"/>
+                </a:solidFill>
+                <a:effectLst/>
+                <a:latin typeface="Arial" pitchFamily="34" charset="0"/>
+                <a:cs typeface="Arial" pitchFamily="34" charset="0"/>
+              </a:rPr>
+            </a:br>
+            <a:endParaRPr kumimoji="0" lang="en-US" altLang="en-US" sz="800" b="0" i="0" u="none" strike="noStrike" cap="none" normalizeH="0" baseline="0" dirty="0" smtClean="0">
+              <a:ln>
+                <a:noFill/>
+              </a:ln>
+              <a:solidFill>
+                <a:schemeClr val="tx1"/>
+              </a:solidFill>
+              <a:effectLst/>
+              <a:latin typeface="Arial" pitchFamily="34" charset="0"/>
+              <a:cs typeface="Arial" pitchFamily="34" charset="0"/>
+            </a:endParaRPr>
+          </a:p>
+          <a:p>
+            <a:pPr lvl="0" eaLnBrk="0" hangingPunct="0"/>
+            <a:r>
+              <a:rPr kumimoji="0" lang="en-US" altLang="en-US" sz="2000" b="0" i="0" u="none" strike="noStrike" cap="none" normalizeH="0" baseline="0" dirty="0" smtClean="0">
+                <a:ln>
+                  <a:noFill/>
+                </a:ln>
+                <a:solidFill>
+                  <a:srgbClr val="222222"/>
+                </a:solidFill>
+                <a:effectLst/>
+                <a:latin typeface="Arial" pitchFamily="34" charset="0"/>
+                <a:cs typeface="Arial" pitchFamily="34" charset="0"/>
+              </a:rPr>
+              <a:t>Microwave:  </a:t>
+            </a:r>
+            <a:r>
+              <a:rPr lang="en-US" altLang="en-US" sz="1400" dirty="0">
+                <a:solidFill>
+                  <a:srgbClr val="222222"/>
+                </a:solidFill>
+              </a:rPr>
+              <a:t>https://</a:t>
+            </a:r>
+            <a:r>
+              <a:rPr lang="en-US" altLang="en-US" sz="1400" dirty="0" smtClean="0">
+                <a:solidFill>
+                  <a:srgbClr val="222222"/>
+                </a:solidFill>
+              </a:rPr>
+              <a:t>www.dropbox.com/s/c09djd7mbbrgzvc/microwave_demo_high_resolution.mp4?dl=0</a:t>
+            </a:r>
+          </a:p>
+          <a:p>
+            <a:pPr lvl="0" eaLnBrk="0" hangingPunct="0"/>
+            <a:endParaRPr kumimoji="0" lang="en-US" altLang="en-US" sz="1400" b="0" i="0" u="none" strike="noStrike" cap="none" normalizeH="0" baseline="0" dirty="0" smtClean="0">
+              <a:ln>
+                <a:noFill/>
+              </a:ln>
+              <a:solidFill>
+                <a:schemeClr val="tx1"/>
+              </a:solidFill>
+              <a:effectLst/>
+            </a:endParaRPr>
+          </a:p>
+        </p:txBody>
+      </p:sp>
+      <p:sp>
+        <p:nvSpPr>
+          <p:cNvPr id="7" name="Rectangle 6"/>
+          <p:cNvSpPr/>
+          <p:nvPr/>
+        </p:nvSpPr>
+        <p:spPr>
+          <a:xfrm>
+            <a:off x="152400" y="1937266"/>
+            <a:ext cx="5943600" cy="646331"/>
+          </a:xfrm>
+          <a:prstGeom prst="rect">
+            <a:avLst/>
+          </a:prstGeom>
+        </p:spPr>
+        <p:txBody>
+          <a:bodyPr wrap="square">
+            <a:spAutoFit/>
+          </a:bodyPr>
+          <a:lstStyle/>
+          <a:p>
+            <a:r>
+              <a:rPr lang="en-US" smtClean="0">
                 <a:hlinkClick r:id="rId3"/>
               </a:rPr>
-              <a:t>https://youtu.be/0cCFfFNyU3w</a:t>
-            </a:r>
+              <a:t> https://www.youtube.com/watch?v=0cCFfFNyU3w&amp;t=8s</a:t>
+            </a:r>
+            <a:endParaRPr lang="en-US" smtClean="0"/>
+          </a:p>
+          <a:p>
             <a:endParaRPr lang="en-US" dirty="0"/>
           </a:p>
-          <a:p>
-            <a:pPr marL="0" indent="0">
-              <a:buNone/>
-            </a:pPr>
-            <a:r>
-              <a:rPr lang="en-US" dirty="0"/>
-              <a:t> </a:t>
-            </a:r>
-          </a:p>
-          <a:p>
-            <a:r>
-              <a:rPr lang="en-US" dirty="0"/>
-              <a:t>The visual processes of action recognition: </a:t>
-            </a:r>
-          </a:p>
-          <a:p>
-            <a:pPr marL="0" indent="0">
-              <a:buNone/>
-            </a:pPr>
+        </p:txBody>
+      </p:sp>
+      <p:sp>
+        <p:nvSpPr>
+          <p:cNvPr id="8" name="TextBox 7"/>
+          <p:cNvSpPr txBox="1"/>
+          <p:nvPr/>
+        </p:nvSpPr>
+        <p:spPr>
+          <a:xfrm>
+            <a:off x="304800" y="1439971"/>
+            <a:ext cx="4600042" cy="677108"/>
+          </a:xfrm>
+          <a:prstGeom prst="rect">
+            <a:avLst/>
+          </a:prstGeom>
+          <a:noFill/>
+        </p:spPr>
+        <p:txBody>
+          <a:bodyPr wrap="none" rtlCol="0">
+            <a:spAutoFit/>
+          </a:bodyPr>
+          <a:lstStyle/>
+          <a:p>
+            <a:r>
+              <a:rPr lang="en-US" sz="2000" dirty="0" smtClean="0">
+                <a:latin typeface="Arial" panose="020B0604020202020204" pitchFamily="34" charset="0"/>
+                <a:cs typeface="Arial" panose="020B0604020202020204" pitchFamily="34" charset="0"/>
+              </a:rPr>
+              <a:t>Learning to </a:t>
+            </a:r>
+            <a:r>
+              <a:rPr lang="en-US" sz="2000" dirty="0" smtClean="0">
+                <a:latin typeface="Arial" panose="020B0604020202020204" pitchFamily="34" charset="0"/>
+                <a:cs typeface="Arial" panose="020B0604020202020204" pitchFamily="34" charset="0"/>
+              </a:rPr>
+              <a:t>cook from </a:t>
+            </a:r>
+            <a:r>
+              <a:rPr lang="en-US" sz="2000" dirty="0" err="1" smtClean="0">
+                <a:latin typeface="Arial" panose="020B0604020202020204" pitchFamily="34" charset="0"/>
+                <a:cs typeface="Arial" panose="020B0604020202020204" pitchFamily="34" charset="0"/>
+              </a:rPr>
+              <a:t>Youtube</a:t>
+            </a:r>
+            <a:r>
+              <a:rPr lang="en-US" sz="2000" dirty="0" smtClean="0">
+                <a:latin typeface="Arial" panose="020B0604020202020204" pitchFamily="34" charset="0"/>
+                <a:cs typeface="Arial" panose="020B0604020202020204" pitchFamily="34" charset="0"/>
+              </a:rPr>
+              <a:t> videos:</a:t>
+            </a:r>
+            <a:endParaRPr lang="en-US" sz="2000" dirty="0" smtClean="0">
+              <a:latin typeface="Arial" panose="020B0604020202020204" pitchFamily="34" charset="0"/>
+              <a:cs typeface="Arial" panose="020B0604020202020204" pitchFamily="34" charset="0"/>
+            </a:endParaRPr>
+          </a:p>
+          <a:p>
+            <a:endParaRPr lang="en-US" dirty="0"/>
+          </a:p>
+        </p:txBody>
+      </p:sp>
+      <p:sp>
+        <p:nvSpPr>
+          <p:cNvPr id="9" name="Rectangle 8"/>
+          <p:cNvSpPr/>
+          <p:nvPr/>
+        </p:nvSpPr>
+        <p:spPr>
+          <a:xfrm>
+            <a:off x="304800" y="3144229"/>
+            <a:ext cx="6324600" cy="646331"/>
+          </a:xfrm>
+          <a:prstGeom prst="rect">
+            <a:avLst/>
+          </a:prstGeom>
+        </p:spPr>
+        <p:txBody>
+          <a:bodyPr wrap="square">
+            <a:spAutoFit/>
+          </a:bodyPr>
+          <a:lstStyle/>
+          <a:p>
             <a:r>
               <a:rPr lang="en-US" dirty="0">
                 <a:hlinkClick r:id="rId4"/>
               </a:rPr>
-              <a:t>https://youtu.be/Kf68Y-dwZxw</a:t>
-            </a:r>
+              <a:t>https://</a:t>
+            </a:r>
+            <a:r>
+              <a:rPr lang="en-US" dirty="0" smtClean="0">
+                <a:hlinkClick r:id="rId4"/>
+              </a:rPr>
+              <a:t>www.youtube.com/watch?v=t-qEV6hTxFw&amp;t=63s</a:t>
+            </a:r>
+            <a:endParaRPr lang="en-US" dirty="0" smtClean="0"/>
+          </a:p>
+          <a:p>
             <a:endParaRPr lang="en-US" dirty="0"/>
           </a:p>
-          <a:p>
-            <a:pPr marL="0" indent="0">
-              <a:buNone/>
-            </a:pPr>
-            <a:endParaRPr lang="en-US" dirty="0"/>
+        </p:txBody>
+      </p:sp>
+      <p:sp>
+        <p:nvSpPr>
+          <p:cNvPr id="10" name="TextBox 9"/>
+          <p:cNvSpPr txBox="1"/>
+          <p:nvPr/>
+        </p:nvSpPr>
+        <p:spPr>
+          <a:xfrm>
+            <a:off x="304800" y="2663637"/>
+            <a:ext cx="6146491" cy="400110"/>
+          </a:xfrm>
+          <a:prstGeom prst="rect">
+            <a:avLst/>
+          </a:prstGeom>
+          <a:noFill/>
+        </p:spPr>
+        <p:txBody>
+          <a:bodyPr wrap="none" rtlCol="0">
+            <a:spAutoFit/>
+          </a:bodyPr>
+          <a:lstStyle/>
+          <a:p>
+            <a:r>
+              <a:rPr lang="en-US" sz="2000" dirty="0" smtClean="0"/>
+              <a:t>UMD’s </a:t>
+            </a:r>
+            <a:r>
+              <a:rPr lang="en-US" sz="2000" dirty="0"/>
+              <a:t>robot learns to make a drink by watching people : </a:t>
+            </a:r>
+            <a:endParaRPr lang="en-US" sz="2000" dirty="0"/>
           </a:p>
         </p:txBody>
       </p:sp>
     </p:spTree>
     <p:extLst>
       <p:ext uri="{BB962C8B-B14F-4D97-AF65-F5344CB8AC3E}">
-        <p14:creationId xmlns:p14="http://schemas.microsoft.com/office/powerpoint/2010/main" val="917031190"/>
+        <p14:creationId xmlns:p14="http://schemas.microsoft.com/office/powerpoint/2010/main" val="3502207610"/>
       </p:ext>
     </p:extLst>
   </p:cSld>
   <p:clrMapOvr>
     <a:masterClrMapping/>
   </p:clrMapOvr>
+  <p:timing>
+    <p:tnLst>
+      <p:par>
+        <p:cTn id="1" dur="indefinite" restart="never" nodeType="tmRoot"/>
+      </p:par>
+    </p:tnLst>
+  </p:timing>
 </p:sld>
 </file>
 
@@ -6762,12 +7385,42 @@
               <a:buNone/>
             </a:pPr>
             <a:r>
-              <a:rPr lang="en-US" dirty="0" err="1"/>
+              <a:rPr lang="en-US" dirty="0" smtClean="0"/>
+              <a:t>Projects</a:t>
+            </a:r>
+            <a:r>
+              <a:rPr lang="en-US" dirty="0"/>
+              <a:t>: 65</a:t>
+            </a:r>
+            <a:r>
+              <a:rPr lang="en-US" dirty="0" smtClean="0"/>
+              <a:t>%</a:t>
+            </a:r>
+            <a:endParaRPr lang="en-US" dirty="0"/>
+          </a:p>
+          <a:p>
+            <a:pPr marL="0" indent="0">
+              <a:buNone/>
+            </a:pPr>
+            <a:r>
+              <a:rPr lang="en-US" dirty="0" smtClean="0"/>
+              <a:t>Exam and </a:t>
+            </a:r>
+            <a:r>
+              <a:rPr lang="en-US" dirty="0" err="1" smtClean="0"/>
               <a:t>Homeworks</a:t>
             </a:r>
             <a:r>
+              <a:rPr lang="en-US" dirty="0" smtClean="0"/>
+              <a:t>: </a:t>
+            </a:r>
+            <a:r>
               <a:rPr lang="en-US" dirty="0"/>
-              <a:t> and Projects: 65%</a:t>
+              <a:t>35 </a:t>
+            </a:r>
+            <a:r>
+              <a:rPr lang="en-US" dirty="0" smtClean="0"/>
+              <a:t>%</a:t>
             </a:r>
           </a:p>
           <a:p>
@@ -6775,9 +7428,14 @@
               <a:buNone/>
             </a:pPr>
             <a:r>
-              <a:rPr lang="en-US" dirty="0"/>
-              <a:t>Exam: 35 %</a:t>
-            </a:r>
+              <a:rPr lang="en-US" dirty="0" err="1" smtClean="0"/>
+              <a:t>Homeworks</a:t>
+            </a:r>
+            <a:r>
+              <a:rPr lang="en-US" dirty="0" smtClean="0"/>
+              <a:t>: Paper and pencil problems</a:t>
+            </a:r>
+            <a:endParaRPr lang="en-US" dirty="0"/>
           </a:p>
           <a:p>
             <a:pPr marL="0" indent="0">
@@ -6789,19 +7447,12 @@
             </a:r>
             <a:r>
               <a:rPr lang="en-US" b="1" dirty="0"/>
-              <a:t> </a:t>
-            </a:r>
-            <a:r>
-              <a:rPr lang="en-US" b="1" dirty="0"/>
-              <a:t>M</a:t>
+              <a:t> M</a:t>
             </a:r>
             <a:r>
               <a:rPr lang="en-US" b="1" dirty="0" smtClean="0"/>
-              <a:t>arch 10</a:t>
-            </a:r>
-            <a:endParaRPr lang="en-US" dirty="0"/>
-          </a:p>
-          <a:p>
+              <a:t>arch 16</a:t>
+            </a:r>
             <a:endParaRPr lang="en-US" dirty="0"/>
           </a:p>
         </p:txBody>
@@ -6816,6 +7467,13 @@
   <p:clrMapOvr>
     <a:masterClrMapping/>
   </p:clrMapOvr>
+  <p:timing>
+    <p:tnLst>
+      <p:par>
+        <p:cTn id="1" dur="indefinite" restart="never" nodeType="tmRoot"/>
+      </p:par>
+    </p:tnLst>
+  </p:timing>
 </p:sld>
 </file>
 
@@ -6882,11 +7540,35 @@
             </a:r>
             <a:r>
               <a:rPr lang="en-US" sz="2800" dirty="0"/>
-              <a:t>Czech science fiction play “Rossum’s </a:t>
+              <a:t>Czech science fiction play </a:t>
+            </a:r>
+            <a:r>
+              <a:rPr lang="en-US" sz="2800" dirty="0"/>
+              <a:t> </a:t>
+            </a:r>
+            <a:r>
+              <a:rPr lang="en-US" sz="2800" i="1" dirty="0" smtClean="0"/>
+              <a:t>R.U.R. (</a:t>
+            </a:r>
+            <a:r>
+              <a:rPr lang="en-US" sz="2800" i="1" dirty="0" err="1" smtClean="0"/>
+              <a:t>Rossum’s</a:t>
+            </a:r>
+            <a:r>
+              <a:rPr lang="en-US" sz="2800" i="1" dirty="0" smtClean="0"/>
+              <a:t> </a:t>
+            </a:r>
+            <a:r>
+              <a:rPr lang="en-US" sz="2800" i="1" dirty="0" smtClean="0"/>
+              <a:t>Universal </a:t>
+            </a:r>
+            <a:r>
+              <a:rPr lang="en-US" sz="2800" i="1" dirty="0" smtClean="0"/>
+              <a:t>Robots) </a:t>
             </a:r>
             <a:r>
               <a:rPr lang="en-US" sz="2800" dirty="0" smtClean="0"/>
-              <a:t>Universal Robots” by Karel </a:t>
+              <a:t>by Karel </a:t>
             </a:r>
             <a:r>
               <a:rPr lang="en-US" sz="2800" dirty="0" err="1" smtClean="0"/>
@@ -6930,7 +7612,11 @@
             </a:r>
             <a:r>
               <a:rPr lang="en-US" sz="2800" dirty="0" smtClean="0"/>
-              <a:t>simov : Russian born Science fiction writer, 1942 positive story ‘</a:t>
+              <a:t>simov : Russian born Science fiction writer, 1942 positive story </a:t>
+            </a:r>
+            <a:r>
+              <a:rPr lang="en-US" sz="2800" dirty="0" smtClean="0"/>
+              <a:t>“</a:t>
             </a:r>
             <a:r>
               <a:rPr lang="en-US" sz="2800" dirty="0" err="1" smtClean="0"/>
@@ -7048,6 +7734,13 @@
   <p:clrMapOvr>
     <a:masterClrMapping/>
   </p:clrMapOvr>
+  <p:timing>
+    <p:tnLst>
+      <p:par>
+        <p:cTn id="1" dur="indefinite" restart="never" nodeType="tmRoot"/>
+      </p:par>
+    </p:tnLst>
+  </p:timing>
 </p:sld>
 </file>
 
@@ -7140,7 +7833,15 @@
             </a:pPr>
             <a:r>
               <a:rPr lang="en-US" sz="2000" dirty="0" smtClean="0"/>
-              <a:t>Challenges: 1.) move in complex and cluttered environments </a:t>
+              <a:t>Challenges: </a:t>
+            </a:r>
+            <a:r>
+              <a:rPr lang="en-US" sz="2000" dirty="0" smtClean="0"/>
+              <a:t>     1</a:t>
+            </a:r>
+            <a:r>
+              <a:rPr lang="en-US" sz="2000" dirty="0" smtClean="0"/>
+              <a:t>.) move in complex and cluttered environments </a:t>
             </a:r>
           </a:p>
           <a:p>
@@ -7466,6 +8167,13 @@
   <p:clrMapOvr>
     <a:masterClrMapping/>
   </p:clrMapOvr>
+  <p:timing>
+    <p:tnLst>
+      <p:par>
+        <p:cTn id="1" dur="indefinite" restart="never" nodeType="tmRoot"/>
+      </p:par>
+    </p:tnLst>
+  </p:timing>
 </p:sld>
 </file>
 
@@ -7536,6 +8244,9 @@
               <a:rPr lang="en-US" dirty="0" smtClean="0"/>
               <a:t>)</a:t>
             </a:r>
+          </a:p>
+          <a:p>
+            <a:endParaRPr lang="en-US" dirty="0" smtClean="0"/>
           </a:p>
           <a:p>
             <a:pPr marL="0" indent="0">
@@ -7568,7 +8279,7 @@
         </p:blipFill>
         <p:spPr bwMode="auto">
           <a:xfrm>
-            <a:off x="228600" y="3175880"/>
+            <a:off x="266183" y="3065145"/>
             <a:ext cx="3733800" cy="2800350"/>
           </a:xfrm>
           <a:prstGeom prst="rect">
@@ -7609,8 +8320,8 @@
         </p:blipFill>
         <p:spPr bwMode="auto">
           <a:xfrm>
-            <a:off x="4267200" y="3280655"/>
-            <a:ext cx="3238500" cy="2590800"/>
+            <a:off x="4314315" y="3429000"/>
+            <a:ext cx="2590800" cy="2072640"/>
           </a:xfrm>
           <a:prstGeom prst="rect">
             <a:avLst/>
@@ -7635,8 +8346,8 @@
         </p:nvSpPr>
         <p:spPr>
           <a:xfrm>
-            <a:off x="4267200" y="6001503"/>
-            <a:ext cx="2685030" cy="646331"/>
+            <a:off x="4335097" y="5517979"/>
+            <a:ext cx="3275256" cy="584775"/>
           </a:xfrm>
           <a:prstGeom prst="rect">
             <a:avLst/>
@@ -7649,26 +8360,78 @@
           <a:lstStyle/>
           <a:p>
             <a:r>
-              <a:rPr lang="en-US" dirty="0"/>
+              <a:rPr lang="en-US" sz="1600" dirty="0"/>
               <a:t>George C. </a:t>
             </a:r>
             <a:r>
+              <a:rPr lang="en-US" sz="1600" dirty="0" err="1" smtClean="0"/>
+              <a:t>Devol</a:t>
+            </a:r>
+            <a:r>
+              <a:rPr lang="en-US" sz="1600" dirty="0" smtClean="0"/>
+              <a:t>   </a:t>
+            </a:r>
+            <a:r>
+              <a:rPr lang="en-US" sz="1600" dirty="0" smtClean="0"/>
+              <a:t>(inventor) </a:t>
+            </a:r>
+          </a:p>
+          <a:p>
+            <a:r>
+              <a:rPr lang="en-US" sz="1600" dirty="0" smtClean="0"/>
+              <a:t>Joseph </a:t>
+            </a:r>
+            <a:r>
+              <a:rPr lang="en-US" sz="1600" dirty="0"/>
+              <a:t>F. </a:t>
+            </a:r>
+            <a:r>
+              <a:rPr lang="en-US" sz="1600" dirty="0" err="1" smtClean="0"/>
+              <a:t>Engelberger</a:t>
+            </a:r>
+            <a:r>
+              <a:rPr lang="en-US" sz="1600" dirty="0" smtClean="0"/>
+              <a:t> (business man)</a:t>
+            </a:r>
+            <a:endParaRPr lang="en-US" sz="1600" dirty="0"/>
+          </a:p>
+        </p:txBody>
+      </p:sp>
+      <p:sp>
+        <p:nvSpPr>
+          <p:cNvPr id="5" name="TextBox 4"/>
+          <p:cNvSpPr txBox="1"/>
+          <p:nvPr/>
+        </p:nvSpPr>
+        <p:spPr>
+          <a:xfrm>
+            <a:off x="685800" y="6031468"/>
+            <a:ext cx="6540317" cy="646331"/>
+          </a:xfrm>
+          <a:prstGeom prst="rect">
+            <a:avLst/>
+          </a:prstGeom>
+          <a:noFill/>
+        </p:spPr>
+        <p:txBody>
+          <a:bodyPr wrap="none" rtlCol="0">
+            <a:spAutoFit/>
+          </a:bodyPr>
+          <a:lstStyle/>
+          <a:p>
+            <a:r>
               <a:rPr lang="en-US" dirty="0" err="1" smtClean="0"/>
-              <a:t>Devol</a:t>
+              <a:t>Unimate</a:t>
             </a:r>
             <a:r>
               <a:rPr lang="en-US" dirty="0" smtClean="0"/>
-              <a:t>          1961</a:t>
-            </a:r>
-          </a:p>
-          <a:p>
-            <a:r>
-              <a:rPr lang="en-US" dirty="0"/>
-              <a:t>Joseph F. </a:t>
-            </a:r>
-            <a:r>
-              <a:rPr lang="en-US" dirty="0" err="1"/>
-              <a:t>Engelberger</a:t>
+              <a:t> was the first industrial robot, completely preprogrammed, </a:t>
+            </a:r>
+          </a:p>
+          <a:p>
+            <a:r>
+              <a:rPr lang="en-US" dirty="0" smtClean="0"/>
+              <a:t>appeared in 1961 in a “Tonight Show” </a:t>
             </a:r>
             <a:endParaRPr lang="en-US" dirty="0"/>
           </a:p>
@@ -7684,6 +8447,13 @@
   <p:clrMapOvr>
     <a:masterClrMapping/>
   </p:clrMapOvr>
+  <p:timing>
+    <p:tnLst>
+      <p:par>
+        <p:cTn id="1" dur="indefinite" restart="never" nodeType="tmRoot"/>
+      </p:par>
+    </p:tnLst>
+  </p:timing>
 </p:sld>
 </file>
 
@@ -7755,8 +8525,8 @@
               <a:t>Sensors: (</a:t>
             </a:r>
             <a:r>
-              <a:rPr lang="en-US" dirty="0" err="1" smtClean="0"/>
-              <a:t>propriocepetive</a:t>
+              <a:rPr lang="en-US" dirty="0" smtClean="0"/>
+              <a:t>proprioceptive</a:t>
             </a:r>
             <a:r>
               <a:rPr lang="en-US" dirty="0" smtClean="0"/>
@@ -7806,6 +8576,13 @@
   <p:clrMapOvr>
     <a:masterClrMapping/>
   </p:clrMapOvr>
+  <p:timing>
+    <p:tnLst>
+      <p:par>
+        <p:cTn id="1" dur="indefinite" restart="never" nodeType="tmRoot"/>
+      </p:par>
+    </p:tnLst>
+  </p:timing>
 </p:sld>
 </file>
 
@@ -7905,7 +8682,13 @@
               <a:rPr lang="en-US" sz="2200" dirty="0">
                 <a:hlinkClick r:id="rId2"/>
               </a:rPr>
-              <a:t>http://www.bostondynamics.com/robot_cheetah.html</a:t>
+              <a:t>http://</a:t>
+            </a:r>
+            <a:r>
+              <a:rPr lang="en-US" sz="2200" dirty="0" smtClean="0">
+                <a:hlinkClick r:id="rId2"/>
+              </a:rPr>
+              <a:t>www.bostondynamics.com/robot_cheetah.html</a:t>
             </a:r>
             <a:endParaRPr lang="en-US" sz="2200" dirty="0"/>
           </a:p>
@@ -7914,7 +8697,7 @@
               <a:buNone/>
             </a:pPr>
             <a:r>
-              <a:rPr lang="en-US" sz="2200" dirty="0" err="1"/>
+              <a:rPr lang="en-US" sz="2200" dirty="0" err="1" smtClean="0"/>
               <a:t>SandFlea</a:t>
             </a:r>
             <a:r>
@@ -7941,7 +8724,11 @@
             </a:pPr>
             <a:r>
               <a:rPr lang="en-US" sz="2400" dirty="0" smtClean="0"/>
-              <a:t>Panning and Control for heterogeneous </a:t>
+              <a:t>Planning </a:t>
+            </a:r>
+            <a:r>
+              <a:rPr lang="en-US" sz="2400" dirty="0" smtClean="0"/>
+              <a:t>and Control for </a:t>
             </a:r>
             <a:r>
               <a:rPr lang="en-US" sz="2400" dirty="0" err="1" smtClean="0"/>
@@ -7963,7 +8750,7 @@
               <a:rPr lang="en-US" sz="2400" dirty="0" smtClean="0">
                 <a:hlinkClick r:id="rId4"/>
               </a:rPr>
-              <a:t>www.youtube.com/watch?v=TVrxvqYlCDs</a:t>
+              <a:t>www.youtube.com/watch?v=5l27chpTzhg</a:t>
             </a:r>
             <a:endParaRPr lang="en-US" sz="2400" dirty="0" smtClean="0"/>
           </a:p>
@@ -8136,6 +8923,13 @@
   <p:clrMapOvr>
     <a:masterClrMapping/>
   </p:clrMapOvr>
+  <p:timing>
+    <p:tnLst>
+      <p:par>
+        <p:cTn id="1" dur="indefinite" restart="never" nodeType="tmRoot"/>
+      </p:par>
+    </p:tnLst>
+  </p:timing>
 </p:sld>
 </file>
 
@@ -8192,7 +8986,7 @@
         <p:spPr/>
         <p:txBody>
           <a:bodyPr>
-            <a:normAutofit fontScale="85000" lnSpcReduction="20000"/>
+            <a:normAutofit fontScale="92500" lnSpcReduction="10000"/>
           </a:bodyPr>
           <a:lstStyle/>
           <a:p>
@@ -8285,20 +9079,11 @@
             </a:pPr>
             <a:r>
               <a:rPr lang="en-US" altLang="en-US" sz="1600" b="1" i="1" dirty="0" smtClean="0"/>
-              <a:t>Mobile Robot Localization and Mapping</a:t>
-            </a:r>
-          </a:p>
-          <a:p>
-            <a:pPr marL="800100" lvl="1" indent="-419100">
-              <a:spcBef>
-                <a:spcPts val="1400"/>
-              </a:spcBef>
-              <a:buFont typeface="Wingdings" pitchFamily="2" charset="2"/>
-              <a:buAutoNum type="arabicPeriod"/>
-            </a:pPr>
+              <a:t>Vision</a:t>
+            </a:r>
             <a:r>
               <a:rPr lang="en-US" altLang="en-US" sz="1600" b="1" i="1" dirty="0" smtClean="0"/>
-              <a:t>Vision: visual features for recognition, </a:t>
+              <a:t>: visual features for recognition, </a:t>
             </a:r>
           </a:p>
           <a:p>
@@ -8314,7 +9099,35 @@
             </a:r>
             <a:r>
               <a:rPr lang="en-US" altLang="en-US" sz="1600" b="1" i="1" dirty="0" smtClean="0"/>
-              <a:t>       attention, segmentation</a:t>
+              <a:t>      </a:t>
+            </a:r>
+            <a:r>
+              <a:rPr lang="en-US" altLang="en-US" sz="1600" b="1" i="1" dirty="0" smtClean="0"/>
+              <a:t>     </a:t>
+            </a:r>
+            <a:r>
+              <a:rPr lang="en-US" altLang="en-US" sz="1600" b="1" i="1" dirty="0" smtClean="0"/>
+              <a:t>attention, </a:t>
+            </a:r>
+            <a:r>
+              <a:rPr lang="en-US" altLang="en-US" sz="1600" b="1" i="1" dirty="0" smtClean="0"/>
+              <a:t>segmentation, object recognition</a:t>
+            </a:r>
+          </a:p>
+          <a:p>
+            <a:pPr marL="381000" lvl="1" indent="0">
+              <a:spcBef>
+                <a:spcPts val="1400"/>
+              </a:spcBef>
+              <a:buNone/>
+            </a:pPr>
+            <a:r>
+              <a:rPr lang="en-US" altLang="en-US" sz="1600" b="1" i="1" dirty="0" smtClean="0"/>
+              <a:t>8.      Mobile </a:t>
+            </a:r>
+            <a:r>
+              <a:rPr lang="en-US" altLang="en-US" sz="1600" b="1" i="1" dirty="0"/>
+              <a:t>Robot Localization and Mapping</a:t>
             </a:r>
           </a:p>
           <a:p>
@@ -8326,7 +9139,11 @@
             </a:pPr>
             <a:r>
               <a:rPr lang="en-US" altLang="en-US" sz="1600" b="1" i="1" dirty="0" smtClean="0"/>
-              <a:t>RGB-D processing: mapping, aligning, 3D model building</a:t>
+              <a:t>RGB-D </a:t>
+            </a:r>
+            <a:r>
+              <a:rPr lang="en-US" altLang="en-US" sz="1600" b="1" i="1" dirty="0" smtClean="0"/>
+              <a:t>processing: mapping, aligning, 3D model building</a:t>
             </a:r>
           </a:p>
           <a:p>
@@ -8338,20 +9155,9 @@
             </a:pPr>
             <a:r>
               <a:rPr lang="en-US" altLang="en-US" sz="1600" b="1" i="1" dirty="0" smtClean="0"/>
-              <a:t>Robot Arm Kinematics</a:t>
-            </a:r>
-          </a:p>
-          <a:p>
-            <a:pPr marL="723900" lvl="1" indent="-342900">
-              <a:spcBef>
-                <a:spcPts val="1400"/>
-              </a:spcBef>
-              <a:buAutoNum type="arabicPeriod" startAt="9"/>
-            </a:pPr>
-            <a:r>
-              <a:rPr lang="en-US" altLang="en-US" sz="1600" b="1" i="1" dirty="0" smtClean="0"/>
               <a:t>Grasping</a:t>
             </a:r>
+            <a:endParaRPr lang="en-US" altLang="en-US" sz="1600" b="1" i="1" dirty="0" smtClean="0"/>
           </a:p>
           <a:p>
             <a:pPr marL="723900" lvl="1" indent="-342900">
